--- a/MAT2034_MAT2404_GTS_HK1_Python/GTS_Chương_6_ODEs.pptx
+++ b/MAT2034_MAT2404_GTS_HK1_Python/GTS_Chương_6_ODEs.pptx
@@ -249,7 +249,7 @@
           <a:p>
             <a:fld id="{A5651C35-37DD-488E-BB10-C7106514D73B}" type="datetimeFigureOut">
               <a:rPr lang="en-US" smtClean="0"/>
-              <a:t>12/26/2021</a:t>
+              <a:t>12/29/2021</a:t>
             </a:fld>
             <a:endParaRPr lang="en-US"/>
           </a:p>
@@ -708,7 +708,7 @@
             <a:fld id="{B61BEF0D-F0BB-DE4B-95CE-6DB70DBA9567}" type="datetimeFigureOut">
               <a:rPr lang="en-US" smtClean="0"/>
               <a:pPr/>
-              <a:t>12/26/2021</a:t>
+              <a:t>12/29/2021</a:t>
             </a:fld>
             <a:endParaRPr lang="en-US" dirty="0"/>
           </a:p>
@@ -1141,7 +1141,7 @@
             <a:fld id="{B61BEF0D-F0BB-DE4B-95CE-6DB70DBA9567}" type="datetimeFigureOut">
               <a:rPr lang="en-US" smtClean="0"/>
               <a:pPr/>
-              <a:t>12/26/2021</a:t>
+              <a:t>12/29/2021</a:t>
             </a:fld>
             <a:endParaRPr lang="en-US" dirty="0"/>
           </a:p>
@@ -1388,7 +1388,7 @@
             <a:fld id="{B61BEF0D-F0BB-DE4B-95CE-6DB70DBA9567}" type="datetimeFigureOut">
               <a:rPr lang="en-US" smtClean="0"/>
               <a:pPr/>
-              <a:t>12/26/2021</a:t>
+              <a:t>12/29/2021</a:t>
             </a:fld>
             <a:endParaRPr lang="en-US" dirty="0"/>
           </a:p>
@@ -1693,7 +1693,7 @@
             <a:fld id="{B61BEF0D-F0BB-DE4B-95CE-6DB70DBA9567}" type="datetimeFigureOut">
               <a:rPr lang="en-US" smtClean="0"/>
               <a:pPr/>
-              <a:t>12/26/2021</a:t>
+              <a:t>12/29/2021</a:t>
             </a:fld>
             <a:endParaRPr lang="en-US" dirty="0"/>
           </a:p>
@@ -2008,7 +2008,7 @@
             <a:fld id="{B61BEF0D-F0BB-DE4B-95CE-6DB70DBA9567}" type="datetimeFigureOut">
               <a:rPr lang="en-US" smtClean="0"/>
               <a:pPr/>
-              <a:t>12/26/2021</a:t>
+              <a:t>12/29/2021</a:t>
             </a:fld>
             <a:endParaRPr lang="en-US" dirty="0"/>
           </a:p>
@@ -2307,7 +2307,7 @@
             <a:fld id="{B61BEF0D-F0BB-DE4B-95CE-6DB70DBA9567}" type="datetimeFigureOut">
               <a:rPr lang="en-US" smtClean="0"/>
               <a:pPr/>
-              <a:t>12/26/2021</a:t>
+              <a:t>12/29/2021</a:t>
             </a:fld>
             <a:endParaRPr lang="en-US" dirty="0"/>
           </a:p>
@@ -2671,7 +2671,7 @@
             <a:fld id="{B61BEF0D-F0BB-DE4B-95CE-6DB70DBA9567}" type="datetimeFigureOut">
               <a:rPr lang="en-US" smtClean="0"/>
               <a:pPr/>
-              <a:t>12/26/2021</a:t>
+              <a:t>12/29/2021</a:t>
             </a:fld>
             <a:endParaRPr lang="en-US" dirty="0"/>
           </a:p>
@@ -2842,7 +2842,7 @@
             <a:fld id="{B61BEF0D-F0BB-DE4B-95CE-6DB70DBA9567}" type="datetimeFigureOut">
               <a:rPr lang="en-US" smtClean="0"/>
               <a:pPr/>
-              <a:t>12/26/2021</a:t>
+              <a:t>12/29/2021</a:t>
             </a:fld>
             <a:endParaRPr lang="en-US" dirty="0"/>
           </a:p>
@@ -3019,7 +3019,7 @@
             <a:fld id="{B61BEF0D-F0BB-DE4B-95CE-6DB70DBA9567}" type="datetimeFigureOut">
               <a:rPr lang="en-US" smtClean="0"/>
               <a:pPr/>
-              <a:t>12/26/2021</a:t>
+              <a:t>12/29/2021</a:t>
             </a:fld>
             <a:endParaRPr lang="en-US" dirty="0"/>
           </a:p>
@@ -3186,7 +3186,7 @@
             <a:fld id="{B61BEF0D-F0BB-DE4B-95CE-6DB70DBA9567}" type="datetimeFigureOut">
               <a:rPr lang="en-US" smtClean="0"/>
               <a:pPr/>
-              <a:t>12/26/2021</a:t>
+              <a:t>12/29/2021</a:t>
             </a:fld>
             <a:endParaRPr lang="en-US" dirty="0"/>
           </a:p>
@@ -3433,7 +3433,7 @@
             <a:fld id="{B61BEF0D-F0BB-DE4B-95CE-6DB70DBA9567}" type="datetimeFigureOut">
               <a:rPr lang="en-US" smtClean="0"/>
               <a:pPr/>
-              <a:t>12/26/2021</a:t>
+              <a:t>12/29/2021</a:t>
             </a:fld>
             <a:endParaRPr lang="en-US" dirty="0"/>
           </a:p>
@@ -3666,7 +3666,7 @@
             <a:fld id="{B61BEF0D-F0BB-DE4B-95CE-6DB70DBA9567}" type="datetimeFigureOut">
               <a:rPr lang="en-US" smtClean="0"/>
               <a:pPr/>
-              <a:t>12/26/2021</a:t>
+              <a:t>12/29/2021</a:t>
             </a:fld>
             <a:endParaRPr lang="en-US" dirty="0"/>
           </a:p>
@@ -4045,7 +4045,7 @@
             <a:fld id="{B61BEF0D-F0BB-DE4B-95CE-6DB70DBA9567}" type="datetimeFigureOut">
               <a:rPr lang="en-US" smtClean="0"/>
               <a:pPr/>
-              <a:t>12/26/2021</a:t>
+              <a:t>12/29/2021</a:t>
             </a:fld>
             <a:endParaRPr lang="en-US" dirty="0"/>
           </a:p>
@@ -4160,7 +4160,7 @@
             <a:fld id="{B61BEF0D-F0BB-DE4B-95CE-6DB70DBA9567}" type="datetimeFigureOut">
               <a:rPr lang="en-US" smtClean="0"/>
               <a:pPr/>
-              <a:t>12/26/2021</a:t>
+              <a:t>12/29/2021</a:t>
             </a:fld>
             <a:endParaRPr lang="en-US" dirty="0"/>
           </a:p>
@@ -4252,7 +4252,7 @@
             <a:fld id="{B61BEF0D-F0BB-DE4B-95CE-6DB70DBA9567}" type="datetimeFigureOut">
               <a:rPr lang="en-US" smtClean="0"/>
               <a:pPr/>
-              <a:t>12/26/2021</a:t>
+              <a:t>12/29/2021</a:t>
             </a:fld>
             <a:endParaRPr lang="en-US" dirty="0"/>
           </a:p>
@@ -4504,7 +4504,7 @@
             <a:fld id="{B61BEF0D-F0BB-DE4B-95CE-6DB70DBA9567}" type="datetimeFigureOut">
               <a:rPr lang="en-US" smtClean="0"/>
               <a:pPr/>
-              <a:t>12/26/2021</a:t>
+              <a:t>12/29/2021</a:t>
             </a:fld>
             <a:endParaRPr lang="en-US" dirty="0"/>
           </a:p>
@@ -4784,7 +4784,7 @@
             <a:fld id="{B61BEF0D-F0BB-DE4B-95CE-6DB70DBA9567}" type="datetimeFigureOut">
               <a:rPr lang="en-US" smtClean="0"/>
               <a:pPr/>
-              <a:t>12/26/2021</a:t>
+              <a:t>12/29/2021</a:t>
             </a:fld>
             <a:endParaRPr lang="en-US" dirty="0"/>
           </a:p>
@@ -5190,7 +5190,7 @@
             <a:fld id="{B61BEF0D-F0BB-DE4B-95CE-6DB70DBA9567}" type="datetimeFigureOut">
               <a:rPr lang="en-US" smtClean="0"/>
               <a:pPr/>
-              <a:t>12/26/2021</a:t>
+              <a:t>12/29/2021</a:t>
             </a:fld>
             <a:endParaRPr lang="en-US" dirty="0"/>
           </a:p>
@@ -8929,8 +8929,13 @@
             </a:r>
             <a:r>
               <a:rPr lang="en-US" dirty="0"/>
-              <a:t>, h= 0.01</a:t>
-            </a:r>
+              <a:t>, h</a:t>
+            </a:r>
+            <a:r>
+              <a:rPr lang="en-US"/>
+              <a:t>= 0.01 = 1e-2</a:t>
+            </a:r>
+            <a:endParaRPr lang="en-US" dirty="0"/>
           </a:p>
           <a:p>
             <a:r>
@@ -14724,8 +14729,8 @@
           </a:prstGeom>
         </p:spPr>
       </p:pic>
-      <mc:AlternateContent xmlns:mc="http://schemas.openxmlformats.org/markup-compatibility/2006">
-        <mc:Choice xmlns:p14="http://schemas.microsoft.com/office/powerpoint/2010/main" Requires="p14">
+      <mc:AlternateContent xmlns:mc="http://schemas.openxmlformats.org/markup-compatibility/2006" xmlns:p14="http://schemas.microsoft.com/office/powerpoint/2010/main">
+        <mc:Choice Requires="p14">
           <p:contentPart p14:bwMode="auto" r:id="rId4">
             <p14:nvContentPartPr>
               <p14:cNvPr id="4" name="Ink 3">
@@ -14744,7 +14749,7 @@
             </p14:xfrm>
           </p:contentPart>
         </mc:Choice>
-        <mc:Fallback>
+        <mc:Fallback xmlns="">
           <p:pic>
             <p:nvPicPr>
               <p:cNvPr id="4" name="Ink 3">

--- a/MAT2034_MAT2404_GTS_HK1_Python/GTS_Chương_6_ODEs.pptx
+++ b/MAT2034_MAT2404_GTS_HK1_Python/GTS_Chương_6_ODEs.pptx
@@ -249,7 +249,7 @@
           <a:p>
             <a:fld id="{A5651C35-37DD-488E-BB10-C7106514D73B}" type="datetimeFigureOut">
               <a:rPr lang="en-US" smtClean="0"/>
-              <a:t>12/29/2021</a:t>
+              <a:t>12/14/2022</a:t>
             </a:fld>
             <a:endParaRPr lang="en-US"/>
           </a:p>
@@ -708,7 +708,7 @@
             <a:fld id="{B61BEF0D-F0BB-DE4B-95CE-6DB70DBA9567}" type="datetimeFigureOut">
               <a:rPr lang="en-US" smtClean="0"/>
               <a:pPr/>
-              <a:t>12/29/2021</a:t>
+              <a:t>12/14/2022</a:t>
             </a:fld>
             <a:endParaRPr lang="en-US" dirty="0"/>
           </a:p>
@@ -1141,7 +1141,7 @@
             <a:fld id="{B61BEF0D-F0BB-DE4B-95CE-6DB70DBA9567}" type="datetimeFigureOut">
               <a:rPr lang="en-US" smtClean="0"/>
               <a:pPr/>
-              <a:t>12/29/2021</a:t>
+              <a:t>12/14/2022</a:t>
             </a:fld>
             <a:endParaRPr lang="en-US" dirty="0"/>
           </a:p>
@@ -1388,7 +1388,7 @@
             <a:fld id="{B61BEF0D-F0BB-DE4B-95CE-6DB70DBA9567}" type="datetimeFigureOut">
               <a:rPr lang="en-US" smtClean="0"/>
               <a:pPr/>
-              <a:t>12/29/2021</a:t>
+              <a:t>12/14/2022</a:t>
             </a:fld>
             <a:endParaRPr lang="en-US" dirty="0"/>
           </a:p>
@@ -1693,7 +1693,7 @@
             <a:fld id="{B61BEF0D-F0BB-DE4B-95CE-6DB70DBA9567}" type="datetimeFigureOut">
               <a:rPr lang="en-US" smtClean="0"/>
               <a:pPr/>
-              <a:t>12/29/2021</a:t>
+              <a:t>12/14/2022</a:t>
             </a:fld>
             <a:endParaRPr lang="en-US" dirty="0"/>
           </a:p>
@@ -2008,7 +2008,7 @@
             <a:fld id="{B61BEF0D-F0BB-DE4B-95CE-6DB70DBA9567}" type="datetimeFigureOut">
               <a:rPr lang="en-US" smtClean="0"/>
               <a:pPr/>
-              <a:t>12/29/2021</a:t>
+              <a:t>12/14/2022</a:t>
             </a:fld>
             <a:endParaRPr lang="en-US" dirty="0"/>
           </a:p>
@@ -2307,7 +2307,7 @@
             <a:fld id="{B61BEF0D-F0BB-DE4B-95CE-6DB70DBA9567}" type="datetimeFigureOut">
               <a:rPr lang="en-US" smtClean="0"/>
               <a:pPr/>
-              <a:t>12/29/2021</a:t>
+              <a:t>12/14/2022</a:t>
             </a:fld>
             <a:endParaRPr lang="en-US" dirty="0"/>
           </a:p>
@@ -2671,7 +2671,7 @@
             <a:fld id="{B61BEF0D-F0BB-DE4B-95CE-6DB70DBA9567}" type="datetimeFigureOut">
               <a:rPr lang="en-US" smtClean="0"/>
               <a:pPr/>
-              <a:t>12/29/2021</a:t>
+              <a:t>12/14/2022</a:t>
             </a:fld>
             <a:endParaRPr lang="en-US" dirty="0"/>
           </a:p>
@@ -2842,7 +2842,7 @@
             <a:fld id="{B61BEF0D-F0BB-DE4B-95CE-6DB70DBA9567}" type="datetimeFigureOut">
               <a:rPr lang="en-US" smtClean="0"/>
               <a:pPr/>
-              <a:t>12/29/2021</a:t>
+              <a:t>12/14/2022</a:t>
             </a:fld>
             <a:endParaRPr lang="en-US" dirty="0"/>
           </a:p>
@@ -3019,7 +3019,7 @@
             <a:fld id="{B61BEF0D-F0BB-DE4B-95CE-6DB70DBA9567}" type="datetimeFigureOut">
               <a:rPr lang="en-US" smtClean="0"/>
               <a:pPr/>
-              <a:t>12/29/2021</a:t>
+              <a:t>12/14/2022</a:t>
             </a:fld>
             <a:endParaRPr lang="en-US" dirty="0"/>
           </a:p>
@@ -3186,7 +3186,7 @@
             <a:fld id="{B61BEF0D-F0BB-DE4B-95CE-6DB70DBA9567}" type="datetimeFigureOut">
               <a:rPr lang="en-US" smtClean="0"/>
               <a:pPr/>
-              <a:t>12/29/2021</a:t>
+              <a:t>12/14/2022</a:t>
             </a:fld>
             <a:endParaRPr lang="en-US" dirty="0"/>
           </a:p>
@@ -3433,7 +3433,7 @@
             <a:fld id="{B61BEF0D-F0BB-DE4B-95CE-6DB70DBA9567}" type="datetimeFigureOut">
               <a:rPr lang="en-US" smtClean="0"/>
               <a:pPr/>
-              <a:t>12/29/2021</a:t>
+              <a:t>12/14/2022</a:t>
             </a:fld>
             <a:endParaRPr lang="en-US" dirty="0"/>
           </a:p>
@@ -3666,7 +3666,7 @@
             <a:fld id="{B61BEF0D-F0BB-DE4B-95CE-6DB70DBA9567}" type="datetimeFigureOut">
               <a:rPr lang="en-US" smtClean="0"/>
               <a:pPr/>
-              <a:t>12/29/2021</a:t>
+              <a:t>12/14/2022</a:t>
             </a:fld>
             <a:endParaRPr lang="en-US" dirty="0"/>
           </a:p>
@@ -4045,7 +4045,7 @@
             <a:fld id="{B61BEF0D-F0BB-DE4B-95CE-6DB70DBA9567}" type="datetimeFigureOut">
               <a:rPr lang="en-US" smtClean="0"/>
               <a:pPr/>
-              <a:t>12/29/2021</a:t>
+              <a:t>12/14/2022</a:t>
             </a:fld>
             <a:endParaRPr lang="en-US" dirty="0"/>
           </a:p>
@@ -4160,7 +4160,7 @@
             <a:fld id="{B61BEF0D-F0BB-DE4B-95CE-6DB70DBA9567}" type="datetimeFigureOut">
               <a:rPr lang="en-US" smtClean="0"/>
               <a:pPr/>
-              <a:t>12/29/2021</a:t>
+              <a:t>12/14/2022</a:t>
             </a:fld>
             <a:endParaRPr lang="en-US" dirty="0"/>
           </a:p>
@@ -4252,7 +4252,7 @@
             <a:fld id="{B61BEF0D-F0BB-DE4B-95CE-6DB70DBA9567}" type="datetimeFigureOut">
               <a:rPr lang="en-US" smtClean="0"/>
               <a:pPr/>
-              <a:t>12/29/2021</a:t>
+              <a:t>12/14/2022</a:t>
             </a:fld>
             <a:endParaRPr lang="en-US" dirty="0"/>
           </a:p>
@@ -4504,7 +4504,7 @@
             <a:fld id="{B61BEF0D-F0BB-DE4B-95CE-6DB70DBA9567}" type="datetimeFigureOut">
               <a:rPr lang="en-US" smtClean="0"/>
               <a:pPr/>
-              <a:t>12/29/2021</a:t>
+              <a:t>12/14/2022</a:t>
             </a:fld>
             <a:endParaRPr lang="en-US" dirty="0"/>
           </a:p>
@@ -4784,7 +4784,7 @@
             <a:fld id="{B61BEF0D-F0BB-DE4B-95CE-6DB70DBA9567}" type="datetimeFigureOut">
               <a:rPr lang="en-US" smtClean="0"/>
               <a:pPr/>
-              <a:t>12/29/2021</a:t>
+              <a:t>12/14/2022</a:t>
             </a:fld>
             <a:endParaRPr lang="en-US" dirty="0"/>
           </a:p>
@@ -5190,7 +5190,7 @@
             <a:fld id="{B61BEF0D-F0BB-DE4B-95CE-6DB70DBA9567}" type="datetimeFigureOut">
               <a:rPr lang="en-US" smtClean="0"/>
               <a:pPr/>
-              <a:t>12/29/2021</a:t>
+              <a:t>12/14/2022</a:t>
             </a:fld>
             <a:endParaRPr lang="en-US" dirty="0"/>
           </a:p>
@@ -9743,7 +9743,7 @@
         </p:spPr>
         <p:txBody>
           <a:bodyPr>
-            <a:normAutofit/>
+            <a:normAutofit lnSpcReduction="10000"/>
           </a:bodyPr>
           <a:lstStyle/>
           <a:p>
@@ -9806,7 +9806,7 @@
                   <a:schemeClr val="tx1"/>
                 </a:solidFill>
               </a:rPr>
-              <a:t>Xét một vật có nhiệt độ T được đặt trong môi trường có nhiệt độ không đổi T</a:t>
+              <a:t>Xét một vật có nhiệt độ T được đặt trong môi trường có nhiệt độ không đổi</a:t>
             </a:r>
             <a:r>
               <a:rPr lang="en-US" dirty="0">
@@ -9814,7 +9814,7 @@
                   <a:schemeClr val="tx1"/>
                 </a:solidFill>
               </a:rPr>
-              <a:t>_</a:t>
+              <a:t>       </a:t>
             </a:r>
             <a:r>
               <a:rPr lang="vi-VN" dirty="0">
@@ -9822,7 +9822,7 @@
                   <a:schemeClr val="tx1"/>
                 </a:solidFill>
               </a:rPr>
-              <a:t>e. Giả sử rằng khối lượng m của nó tập trung tại một điểm duy nhất. Khi đó, sự truyền nhiệt giữa cơ thể và môi trường bên ngoài được mô tả bằng định luật Stefan-Boltzmann</a:t>
+              <a:t>. Giả sử rằng khối lượng m của nó tập trung tại một điểm duy nhất. Khi đó, sự truyền nhiệt giữa cơ thể và môi trường bên ngoài được mô tả bằng định luật Stefan-Boltzmann</a:t>
             </a:r>
           </a:p>
           <a:p>
@@ -9855,7 +9855,39 @@
                   <a:schemeClr val="tx1"/>
                 </a:solidFill>
               </a:rPr>
-              <a:t>trong đó t là biến thời gian, hằng số Boltzmann (</a:t>
+              <a:t>trong đó t là biến thời gian, </a:t>
+            </a:r>
+            <a:r>
+              <a:rPr lang="en-US" dirty="0">
+                <a:solidFill>
+                  <a:schemeClr val="tx1"/>
+                </a:solidFill>
+              </a:rPr>
+              <a:t>    </a:t>
+            </a:r>
+            <a:r>
+              <a:rPr lang="en-US" dirty="0" err="1">
+                <a:solidFill>
+                  <a:schemeClr val="tx1"/>
+                </a:solidFill>
+              </a:rPr>
+              <a:t>là</a:t>
+            </a:r>
+            <a:r>
+              <a:rPr lang="en-US" dirty="0">
+                <a:solidFill>
+                  <a:schemeClr val="tx1"/>
+                </a:solidFill>
+              </a:rPr>
+              <a:t> </a:t>
+            </a:r>
+            <a:r>
+              <a:rPr lang="vi-VN" dirty="0">
+                <a:solidFill>
+                  <a:schemeClr val="tx1"/>
+                </a:solidFill>
+              </a:rPr>
+              <a:t>hằng số Boltzmann (</a:t>
             </a:r>
             <a:r>
               <a:rPr lang="en-US" dirty="0">
@@ -9995,30 +10027,6 @@
             <a:pPr marL="0" indent="0">
               <a:buNone/>
             </a:pPr>
-            <a:r>
-              <a:rPr lang="vi-VN" dirty="0">
-                <a:solidFill>
-                  <a:schemeClr val="tx1"/>
-                </a:solidFill>
-              </a:rPr>
-              <a:t>Tỷ lệ của</a:t>
-            </a:r>
-            <a:r>
-              <a:rPr lang="en-US" dirty="0">
-                <a:solidFill>
-                  <a:schemeClr val="tx1"/>
-                </a:solidFill>
-              </a:rPr>
-              <a:t> </a:t>
-            </a:r>
-            <a:r>
-              <a:rPr lang="vi-VN" dirty="0">
-                <a:solidFill>
-                  <a:schemeClr val="tx1"/>
-                </a:solidFill>
-              </a:rPr>
-              <a:t>biến thiên của năng lượng </a:t>
-            </a:r>
             <a:endParaRPr lang="en-US" dirty="0">
               <a:solidFill>
                 <a:schemeClr val="tx1"/>
@@ -10035,7 +10043,39 @@
                   <a:schemeClr val="tx1"/>
                 </a:solidFill>
               </a:rPr>
-              <a:t>trong đó C biểu thị nhiệt dung riêng của vật chất cấu tạo nên vật. </a:t>
+              <a:t>Tỷ lệ của</a:t>
+            </a:r>
+            <a:r>
+              <a:rPr lang="en-US" dirty="0">
+                <a:solidFill>
+                  <a:schemeClr val="tx1"/>
+                </a:solidFill>
+              </a:rPr>
+              <a:t> </a:t>
+            </a:r>
+            <a:r>
+              <a:rPr lang="vi-VN" dirty="0">
+                <a:solidFill>
+                  <a:schemeClr val="tx1"/>
+                </a:solidFill>
+              </a:rPr>
+              <a:t>biến thiên của năng lượng </a:t>
+            </a:r>
+            <a:r>
+              <a:rPr lang="en-US" dirty="0">
+                <a:solidFill>
+                  <a:schemeClr val="tx1"/>
+                </a:solidFill>
+              </a:rPr>
+              <a:t>					,  </a:t>
+            </a:r>
+            <a:r>
+              <a:rPr lang="vi-VN" dirty="0">
+                <a:solidFill>
+                  <a:schemeClr val="tx1"/>
+                </a:solidFill>
+              </a:rPr>
+              <a:t>trong đó </a:t>
             </a:r>
             <a:endParaRPr lang="en-US" dirty="0">
               <a:solidFill>
@@ -10053,7 +10093,41 @@
                   <a:schemeClr val="tx1"/>
                 </a:solidFill>
               </a:rPr>
-              <a:t>Do đó, đặt T(0) = T0, tính toán của T (t) yêu cầu nghiệm của</a:t>
+              <a:t>C biểu thị nhiệt dung riêng của vật chất cấu tạo nên vật. </a:t>
+            </a:r>
+            <a:endParaRPr lang="en-US" dirty="0">
+              <a:solidFill>
+                <a:schemeClr val="tx1"/>
+              </a:solidFill>
+            </a:endParaRPr>
+          </a:p>
+          <a:p>
+            <a:pPr marL="0" indent="0">
+              <a:buNone/>
+            </a:pPr>
+            <a:r>
+              <a:rPr lang="en-US" dirty="0">
+                <a:solidFill>
+                  <a:schemeClr val="tx1"/>
+                </a:solidFill>
+              </a:rPr>
+              <a:t>                                Việc t</a:t>
+            </a:r>
+            <a:r>
+              <a:rPr lang="vi-VN" dirty="0">
+                <a:solidFill>
+                  <a:schemeClr val="tx1"/>
+                </a:solidFill>
+              </a:rPr>
+              <a:t>ính toán T (t) yêu cầu </a:t>
+            </a:r>
+            <a:r>
+              <a:rPr lang="en-US" dirty="0" err="1">
+                <a:solidFill>
+                  <a:schemeClr val="tx1"/>
+                </a:solidFill>
+              </a:rPr>
+              <a:t>giải</a:t>
             </a:r>
             <a:r>
               <a:rPr lang="en-US" dirty="0">
@@ -10105,7 +10179,7 @@
         </p:blipFill>
         <p:spPr bwMode="auto">
           <a:xfrm>
-            <a:off x="9046346" y="1561543"/>
+            <a:off x="9055223" y="1270429"/>
             <a:ext cx="2886122" cy="2753058"/>
           </a:xfrm>
           <a:prstGeom prst="rect">
@@ -10175,7 +10249,7 @@
         </p:blipFill>
         <p:spPr>
           <a:xfrm>
-            <a:off x="3696674" y="4326105"/>
+            <a:off x="3696674" y="4042016"/>
             <a:ext cx="253893" cy="314344"/>
           </a:xfrm>
           <a:prstGeom prst="rect">
@@ -10205,7 +10279,7 @@
         </p:blipFill>
         <p:spPr>
           <a:xfrm>
-            <a:off x="4752599" y="4995112"/>
+            <a:off x="4672697" y="5066136"/>
             <a:ext cx="1981447" cy="414420"/>
           </a:xfrm>
           <a:prstGeom prst="rect">
@@ -10215,10 +10289,10 @@
       </p:pic>
       <p:pic>
         <p:nvPicPr>
-          <p:cNvPr id="26" name="Picture 25">
+          <p:cNvPr id="15" name="Picture 14">
             <a:extLst>
               <a:ext uri="{FF2B5EF4-FFF2-40B4-BE49-F238E27FC236}">
-                <a16:creationId xmlns:a16="http://schemas.microsoft.com/office/drawing/2014/main" id="{5B78CD94-8E9A-4BDB-8E40-2C09D33929CC}"/>
+                <a16:creationId xmlns:a16="http://schemas.microsoft.com/office/drawing/2014/main" id="{BFB0425C-9AC4-7C21-C487-8280C4099635}"/>
               </a:ext>
             </a:extLst>
           </p:cNvPr>
@@ -10235,8 +10309,68 @@
         </p:blipFill>
         <p:spPr>
           <a:xfrm>
-            <a:off x="8208928" y="5642412"/>
-            <a:ext cx="1559427" cy="840735"/>
+            <a:off x="3566445" y="3783786"/>
+            <a:ext cx="257175" cy="266700"/>
+          </a:xfrm>
+          <a:prstGeom prst="rect">
+            <a:avLst/>
+          </a:prstGeom>
+        </p:spPr>
+      </p:pic>
+      <p:pic>
+        <p:nvPicPr>
+          <p:cNvPr id="19" name="Picture 18">
+            <a:extLst>
+              <a:ext uri="{FF2B5EF4-FFF2-40B4-BE49-F238E27FC236}">
+                <a16:creationId xmlns:a16="http://schemas.microsoft.com/office/drawing/2014/main" id="{DB739935-B205-16E5-57E4-FAB64CA72B2E}"/>
+              </a:ext>
+            </a:extLst>
+          </p:cNvPr>
+          <p:cNvPicPr>
+            <a:picLocks noChangeAspect="1"/>
+          </p:cNvPicPr>
+          <p:nvPr/>
+        </p:nvPicPr>
+        <p:blipFill>
+          <a:blip r:embed="rId7"/>
+          <a:stretch>
+            <a:fillRect/>
+          </a:stretch>
+        </p:blipFill>
+        <p:spPr>
+          <a:xfrm>
+            <a:off x="954349" y="1985454"/>
+            <a:ext cx="304800" cy="419100"/>
+          </a:xfrm>
+          <a:prstGeom prst="rect">
+            <a:avLst/>
+          </a:prstGeom>
+        </p:spPr>
+      </p:pic>
+      <p:pic>
+        <p:nvPicPr>
+          <p:cNvPr id="27" name="Picture 26">
+            <a:extLst>
+              <a:ext uri="{FF2B5EF4-FFF2-40B4-BE49-F238E27FC236}">
+                <a16:creationId xmlns:a16="http://schemas.microsoft.com/office/drawing/2014/main" id="{360D36C3-3013-7F64-FA2F-B17DE29D71AA}"/>
+              </a:ext>
+            </a:extLst>
+          </p:cNvPr>
+          <p:cNvPicPr>
+            <a:picLocks noChangeAspect="1"/>
+          </p:cNvPicPr>
+          <p:nvPr/>
+        </p:nvPicPr>
+        <p:blipFill>
+          <a:blip r:embed="rId8"/>
+          <a:stretch>
+            <a:fillRect/>
+          </a:stretch>
+        </p:blipFill>
+        <p:spPr>
+          <a:xfrm>
+            <a:off x="7089190" y="5432581"/>
+            <a:ext cx="1600200" cy="1314450"/>
           </a:xfrm>
           <a:prstGeom prst="rect">
             <a:avLst/>
@@ -10796,64 +10930,6 @@
                                         <p:tgtEl>
                                           <p:spTgt spid="3">
                                             <p:txEl>
-                                              <p:pRg st="5" end="5"/>
-                                            </p:txEl>
-                                          </p:spTgt>
-                                        </p:tgtEl>
-                                        <p:attrNameLst>
-                                          <p:attrName>style.visibility</p:attrName>
-                                        </p:attrNameLst>
-                                      </p:cBhvr>
-                                      <p:to>
-                                        <p:strVal val="visible"/>
-                                      </p:to>
-                                    </p:set>
-                                  </p:childTnLst>
-                                </p:cTn>
-                              </p:par>
-                              <p:par>
-                                <p:cTn id="38" presetID="1" presetClass="entr" presetSubtype="0" fill="hold" nodeType="withEffect">
-                                  <p:stCondLst>
-                                    <p:cond delay="0"/>
-                                  </p:stCondLst>
-                                  <p:childTnLst>
-                                    <p:set>
-                                      <p:cBhvr>
-                                        <p:cTn id="39" dur="1" fill="hold">
-                                          <p:stCondLst>
-                                            <p:cond delay="0"/>
-                                          </p:stCondLst>
-                                        </p:cTn>
-                                        <p:tgtEl>
-                                          <p:spTgt spid="22"/>
-                                        </p:tgtEl>
-                                        <p:attrNameLst>
-                                          <p:attrName>style.visibility</p:attrName>
-                                        </p:attrNameLst>
-                                      </p:cBhvr>
-                                      <p:to>
-                                        <p:strVal val="visible"/>
-                                      </p:to>
-                                    </p:set>
-                                  </p:childTnLst>
-                                </p:cTn>
-                              </p:par>
-                              <p:par>
-                                <p:cTn id="40" presetID="1" presetClass="entr" presetSubtype="0" fill="hold" nodeType="withEffect">
-                                  <p:stCondLst>
-                                    <p:cond delay="0"/>
-                                  </p:stCondLst>
-                                  <p:childTnLst>
-                                    <p:set>
-                                      <p:cBhvr>
-                                        <p:cTn id="41" dur="1" fill="hold">
-                                          <p:stCondLst>
-                                            <p:cond delay="0"/>
-                                          </p:stCondLst>
-                                        </p:cTn>
-                                        <p:tgtEl>
-                                          <p:spTgt spid="3">
-                                            <p:txEl>
                                               <p:pRg st="6" end="6"/>
                                             </p:txEl>
                                           </p:spTgt>
@@ -10876,26 +10952,26 @@
                     </p:cTn>
                   </p:par>
                   <p:par>
-                    <p:cTn id="42" fill="hold">
+                    <p:cTn id="38" fill="hold">
                       <p:stCondLst>
                         <p:cond delay="indefinite"/>
                       </p:stCondLst>
                       <p:childTnLst>
                         <p:par>
-                          <p:cTn id="43" fill="hold">
+                          <p:cTn id="39" fill="hold">
                             <p:stCondLst>
                               <p:cond delay="0"/>
                             </p:stCondLst>
                             <p:childTnLst>
                               <p:par>
-                                <p:cTn id="44" presetID="1" presetClass="entr" presetSubtype="0" fill="hold" nodeType="clickEffect">
+                                <p:cTn id="40" presetID="1" presetClass="entr" presetSubtype="0" fill="hold" nodeType="clickEffect">
                                   <p:stCondLst>
                                     <p:cond delay="0"/>
                                   </p:stCondLst>
                                   <p:childTnLst>
                                     <p:set>
                                       <p:cBhvr>
-                                        <p:cTn id="45" dur="1" fill="hold">
+                                        <p:cTn id="41" dur="1" fill="hold">
                                           <p:stCondLst>
                                             <p:cond delay="0"/>
                                           </p:stCondLst>
@@ -10919,20 +10995,69 @@
                                 </p:cTn>
                               </p:par>
                               <p:par>
-                                <p:cTn id="46" presetID="2" presetClass="entr" presetSubtype="4" fill="hold" nodeType="withEffect">
+                                <p:cTn id="42" presetID="1" presetClass="entr" presetSubtype="0" fill="hold" nodeType="withEffect">
                                   <p:stCondLst>
                                     <p:cond delay="0"/>
                                   </p:stCondLst>
                                   <p:childTnLst>
                                     <p:set>
                                       <p:cBhvr>
+                                        <p:cTn id="43" dur="1" fill="hold">
+                                          <p:stCondLst>
+                                            <p:cond delay="0"/>
+                                          </p:stCondLst>
+                                        </p:cTn>
+                                        <p:tgtEl>
+                                          <p:spTgt spid="22"/>
+                                        </p:tgtEl>
+                                        <p:attrNameLst>
+                                          <p:attrName>style.visibility</p:attrName>
+                                        </p:attrNameLst>
+                                      </p:cBhvr>
+                                      <p:to>
+                                        <p:strVal val="visible"/>
+                                      </p:to>
+                                    </p:set>
+                                  </p:childTnLst>
+                                </p:cTn>
+                              </p:par>
+                            </p:childTnLst>
+                          </p:cTn>
+                        </p:par>
+                      </p:childTnLst>
+                    </p:cTn>
+                  </p:par>
+                  <p:par>
+                    <p:cTn id="44" fill="hold">
+                      <p:stCondLst>
+                        <p:cond delay="indefinite"/>
+                      </p:stCondLst>
+                      <p:childTnLst>
+                        <p:par>
+                          <p:cTn id="45" fill="hold">
+                            <p:stCondLst>
+                              <p:cond delay="0"/>
+                            </p:stCondLst>
+                            <p:childTnLst>
+                              <p:par>
+                                <p:cTn id="46" presetID="1" presetClass="entr" presetSubtype="0" fill="hold" nodeType="clickEffect">
+                                  <p:stCondLst>
+                                    <p:cond delay="0"/>
+                                  </p:stCondLst>
+                                  <p:childTnLst>
+                                    <p:set>
+                                      <p:cBhvr>
                                         <p:cTn id="47" dur="1" fill="hold">
                                           <p:stCondLst>
                                             <p:cond delay="0"/>
                                           </p:stCondLst>
                                         </p:cTn>
                                         <p:tgtEl>
-                                          <p:spTgt spid="26"/>
+                                          <p:spTgt spid="3">
+                                            <p:txEl>
+                                              <p:pRg st="8" end="8"/>
+                                            </p:txEl>
+                                          </p:spTgt>
                                         </p:tgtEl>
                                         <p:attrNameLst>
                                           <p:attrName>style.visibility</p:attrName>
@@ -10942,52 +11067,6 @@
                                         <p:strVal val="visible"/>
                                       </p:to>
                                     </p:set>
-                                    <p:anim calcmode="lin" valueType="num">
-                                      <p:cBhvr additive="base">
-                                        <p:cTn id="48" dur="500" fill="hold"/>
-                                        <p:tgtEl>
-                                          <p:spTgt spid="26"/>
-                                        </p:tgtEl>
-                                        <p:attrNameLst>
-                                          <p:attrName>ppt_x</p:attrName>
-                                        </p:attrNameLst>
-                                      </p:cBhvr>
-                                      <p:tavLst>
-                                        <p:tav tm="0">
-                                          <p:val>
-                                            <p:strVal val="#ppt_x"/>
-                                          </p:val>
-                                        </p:tav>
-                                        <p:tav tm="100000">
-                                          <p:val>
-                                            <p:strVal val="#ppt_x"/>
-                                          </p:val>
-                                        </p:tav>
-                                      </p:tavLst>
-                                    </p:anim>
-                                    <p:anim calcmode="lin" valueType="num">
-                                      <p:cBhvr additive="base">
-                                        <p:cTn id="49" dur="500" fill="hold"/>
-                                        <p:tgtEl>
-                                          <p:spTgt spid="26"/>
-                                        </p:tgtEl>
-                                        <p:attrNameLst>
-                                          <p:attrName>ppt_y</p:attrName>
-                                        </p:attrNameLst>
-                                      </p:cBhvr>
-                                      <p:tavLst>
-                                        <p:tav tm="0">
-                                          <p:val>
-                                            <p:strVal val="1+#ppt_h/2"/>
-                                          </p:val>
-                                        </p:tav>
-                                        <p:tav tm="100000">
-                                          <p:val>
-                                            <p:strVal val="#ppt_y"/>
-                                          </p:val>
-                                        </p:tav>
-                                      </p:tavLst>
-                                    </p:anim>
                                   </p:childTnLst>
                                 </p:cTn>
                               </p:par>
